--- a/Senior Design Project - Erkin Alkan.pptx
+++ b/Senior Design Project - Erkin Alkan.pptx
@@ -116,6 +116,11 @@
       </a:defRPr>
     </a:lvl9pPr>
   </p:defaultTextStyle>
+  <p:extLst>
+    <p:ext uri="{EFAFB233-063F-42B5-8137-9DF3F51BA10A}">
+      <p15:sldGuideLst xmlns:p15="http://schemas.microsoft.com/office/powerpoint/2012/main"/>
+    </p:ext>
+  </p:extLst>
 </p:presentation>
 </file>
 
@@ -3350,7 +3355,7 @@
           <a:p>
             <a:fld id="{50875403-2058-44B3-B0BC-C2D90BFE4F46}" type="datetimeFigureOut">
               <a:rPr lang="en-GB" smtClean="0"/>
-              <a:t>02/07/2025</a:t>
+              <a:t>04/07/2025</a:t>
             </a:fld>
             <a:endParaRPr lang="en-GB"/>
           </a:p>
@@ -3872,7 +3877,7 @@
           <a:p>
             <a:fld id="{9CA4EF2A-4D19-4092-ABC4-0A8299E71B9E}" type="datetimeFigureOut">
               <a:rPr lang="en-GB" smtClean="0"/>
-              <a:t>02/07/2025</a:t>
+              <a:t>04/07/2025</a:t>
             </a:fld>
             <a:endParaRPr lang="en-GB"/>
           </a:p>
@@ -4139,7 +4144,7 @@
           <a:p>
             <a:fld id="{9CA4EF2A-4D19-4092-ABC4-0A8299E71B9E}" type="datetimeFigureOut">
               <a:rPr lang="en-GB" smtClean="0"/>
-              <a:t>02/07/2025</a:t>
+              <a:t>04/07/2025</a:t>
             </a:fld>
             <a:endParaRPr lang="en-GB"/>
           </a:p>
@@ -4370,7 +4375,7 @@
           <a:p>
             <a:fld id="{9CA4EF2A-4D19-4092-ABC4-0A8299E71B9E}" type="datetimeFigureOut">
               <a:rPr lang="en-GB" smtClean="0"/>
-              <a:t>02/07/2025</a:t>
+              <a:t>04/07/2025</a:t>
             </a:fld>
             <a:endParaRPr lang="en-GB"/>
           </a:p>
@@ -4680,7 +4685,7 @@
           <a:p>
             <a:fld id="{9CA4EF2A-4D19-4092-ABC4-0A8299E71B9E}" type="datetimeFigureOut">
               <a:rPr lang="en-GB" smtClean="0"/>
-              <a:t>02/07/2025</a:t>
+              <a:t>04/07/2025</a:t>
             </a:fld>
             <a:endParaRPr lang="en-GB"/>
           </a:p>
@@ -5153,7 +5158,7 @@
           <a:p>
             <a:fld id="{9CA4EF2A-4D19-4092-ABC4-0A8299E71B9E}" type="datetimeFigureOut">
               <a:rPr lang="en-GB" smtClean="0"/>
-              <a:t>02/07/2025</a:t>
+              <a:t>04/07/2025</a:t>
             </a:fld>
             <a:endParaRPr lang="en-GB"/>
           </a:p>
@@ -5700,7 +5705,7 @@
           <a:p>
             <a:fld id="{9CA4EF2A-4D19-4092-ABC4-0A8299E71B9E}" type="datetimeFigureOut">
               <a:rPr lang="en-GB" smtClean="0"/>
-              <a:t>02/07/2025</a:t>
+              <a:t>04/07/2025</a:t>
             </a:fld>
             <a:endParaRPr lang="en-GB"/>
           </a:p>
@@ -6474,7 +6479,7 @@
           <a:p>
             <a:fld id="{9CA4EF2A-4D19-4092-ABC4-0A8299E71B9E}" type="datetimeFigureOut">
               <a:rPr lang="en-GB" smtClean="0"/>
-              <a:t>02/07/2025</a:t>
+              <a:t>04/07/2025</a:t>
             </a:fld>
             <a:endParaRPr lang="en-GB"/>
           </a:p>
@@ -6649,7 +6654,7 @@
           <a:p>
             <a:fld id="{9CA4EF2A-4D19-4092-ABC4-0A8299E71B9E}" type="datetimeFigureOut">
               <a:rPr lang="en-GB" smtClean="0"/>
-              <a:t>02/07/2025</a:t>
+              <a:t>04/07/2025</a:t>
             </a:fld>
             <a:endParaRPr lang="en-GB"/>
           </a:p>
@@ -6872,7 +6877,7 @@
           <a:p>
             <a:fld id="{9CA4EF2A-4D19-4092-ABC4-0A8299E71B9E}" type="datetimeFigureOut">
               <a:rPr lang="en-GB" smtClean="0"/>
-              <a:t>02/07/2025</a:t>
+              <a:t>04/07/2025</a:t>
             </a:fld>
             <a:endParaRPr lang="en-GB"/>
           </a:p>
@@ -7052,7 +7057,7 @@
           <a:p>
             <a:fld id="{9CA4EF2A-4D19-4092-ABC4-0A8299E71B9E}" type="datetimeFigureOut">
               <a:rPr lang="en-GB" smtClean="0"/>
-              <a:t>02/07/2025</a:t>
+              <a:t>04/07/2025</a:t>
             </a:fld>
             <a:endParaRPr lang="en-GB"/>
           </a:p>
@@ -7341,7 +7346,7 @@
           <a:p>
             <a:fld id="{9CA4EF2A-4D19-4092-ABC4-0A8299E71B9E}" type="datetimeFigureOut">
               <a:rPr lang="en-GB" smtClean="0"/>
-              <a:t>02/07/2025</a:t>
+              <a:t>04/07/2025</a:t>
             </a:fld>
             <a:endParaRPr lang="en-GB"/>
           </a:p>
@@ -7583,7 +7588,7 @@
           <a:p>
             <a:fld id="{9CA4EF2A-4D19-4092-ABC4-0A8299E71B9E}" type="datetimeFigureOut">
               <a:rPr lang="en-GB" smtClean="0"/>
-              <a:t>02/07/2025</a:t>
+              <a:t>04/07/2025</a:t>
             </a:fld>
             <a:endParaRPr lang="en-GB"/>
           </a:p>
@@ -7962,7 +7967,7 @@
           <a:p>
             <a:fld id="{9CA4EF2A-4D19-4092-ABC4-0A8299E71B9E}" type="datetimeFigureOut">
               <a:rPr lang="en-GB" smtClean="0"/>
-              <a:t>02/07/2025</a:t>
+              <a:t>04/07/2025</a:t>
             </a:fld>
             <a:endParaRPr lang="en-GB"/>
           </a:p>
@@ -8080,7 +8085,7 @@
           <a:p>
             <a:fld id="{9CA4EF2A-4D19-4092-ABC4-0A8299E71B9E}" type="datetimeFigureOut">
               <a:rPr lang="en-GB" smtClean="0"/>
-              <a:t>02/07/2025</a:t>
+              <a:t>04/07/2025</a:t>
             </a:fld>
             <a:endParaRPr lang="en-GB"/>
           </a:p>
@@ -8175,7 +8180,7 @@
           <a:p>
             <a:fld id="{9CA4EF2A-4D19-4092-ABC4-0A8299E71B9E}" type="datetimeFigureOut">
               <a:rPr lang="en-GB" smtClean="0"/>
-              <a:t>02/07/2025</a:t>
+              <a:t>04/07/2025</a:t>
             </a:fld>
             <a:endParaRPr lang="en-GB"/>
           </a:p>
@@ -8424,7 +8429,7 @@
           <a:p>
             <a:fld id="{9CA4EF2A-4D19-4092-ABC4-0A8299E71B9E}" type="datetimeFigureOut">
               <a:rPr lang="en-GB" smtClean="0"/>
-              <a:t>02/07/2025</a:t>
+              <a:t>04/07/2025</a:t>
             </a:fld>
             <a:endParaRPr lang="en-GB"/>
           </a:p>
@@ -8681,7 +8686,7 @@
           <a:p>
             <a:fld id="{9CA4EF2A-4D19-4092-ABC4-0A8299E71B9E}" type="datetimeFigureOut">
               <a:rPr lang="en-GB" smtClean="0"/>
-              <a:t>02/07/2025</a:t>
+              <a:t>04/07/2025</a:t>
             </a:fld>
             <a:endParaRPr lang="en-GB"/>
           </a:p>
@@ -8924,7 +8929,7 @@
           <a:p>
             <a:fld id="{9CA4EF2A-4D19-4092-ABC4-0A8299E71B9E}" type="datetimeFigureOut">
               <a:rPr lang="en-GB" smtClean="0"/>
-              <a:t>02/07/2025</a:t>
+              <a:t>04/07/2025</a:t>
             </a:fld>
             <a:endParaRPr lang="en-GB"/>
           </a:p>
@@ -9730,9 +9735,9 @@
           </p:nvPr>
         </p:nvSpPr>
         <p:spPr>
-          <a:xfrm rot="19622125">
-            <a:off x="2006233" y="1694456"/>
-            <a:ext cx="5364119" cy="3604022"/>
+          <a:xfrm>
+            <a:off x="1" y="0"/>
+            <a:ext cx="12192000" cy="6858000"/>
           </a:xfrm>
         </p:spPr>
         <p:txBody>
@@ -9751,7 +9756,87 @@
               <a:rPr lang="en-US" dirty="0"/>
               <a:t> :d</a:t>
             </a:r>
-            <a:endParaRPr lang="en-GB" dirty="0"/>
+            <a:br>
+              <a:rPr lang="en-US" dirty="0"/>
+            </a:br>
+            <a:r>
+              <a:rPr lang="en-US" sz="2000" dirty="0">
+                <a:latin typeface="Arial" panose="020B0604020202020204" pitchFamily="34" charset="0"/>
+                <a:cs typeface="Arial" panose="020B0604020202020204" pitchFamily="34" charset="0"/>
+              </a:rPr>
+              <a:t>email</a:t>
+            </a:r>
+            <a:r>
+              <a:rPr lang="en-US" sz="2000">
+                <a:latin typeface="Arial" panose="020B0604020202020204" pitchFamily="34" charset="0"/>
+                <a:cs typeface="Arial" panose="020B0604020202020204" pitchFamily="34" charset="0"/>
+              </a:rPr>
+              <a:t>: </a:t>
+            </a:r>
+            <a:r>
+              <a:rPr lang="en-US" sz="2000" cap="none">
+                <a:latin typeface="Arial" panose="020B0604020202020204" pitchFamily="34" charset="0"/>
+                <a:cs typeface="Arial" panose="020B0604020202020204" pitchFamily="34" charset="0"/>
+              </a:rPr>
+              <a:t>erkinalkan2002</a:t>
+            </a:r>
+            <a:r>
+              <a:rPr lang="en-US" sz="2000" cap="none" dirty="0">
+                <a:latin typeface="Arial" panose="020B0604020202020204" pitchFamily="34" charset="0"/>
+                <a:cs typeface="Arial" panose="020B0604020202020204" pitchFamily="34" charset="0"/>
+              </a:rPr>
+              <a:t>@gmail.com</a:t>
+            </a:r>
+            <a:br>
+              <a:rPr lang="en-US" dirty="0">
+                <a:latin typeface="Arial" panose="020B0604020202020204" pitchFamily="34" charset="0"/>
+                <a:cs typeface="Arial" panose="020B0604020202020204" pitchFamily="34" charset="0"/>
+              </a:rPr>
+            </a:br>
+            <a:r>
+              <a:rPr lang="en-GB" sz="2000" dirty="0">
+                <a:latin typeface="Arial" panose="020B0604020202020204" pitchFamily="34" charset="0"/>
+                <a:cs typeface="Arial" panose="020B0604020202020204" pitchFamily="34" charset="0"/>
+              </a:rPr>
+              <a:t>GITHUB: </a:t>
+            </a:r>
+            <a:r>
+              <a:rPr lang="en-GB" sz="2000" cap="none" dirty="0">
+                <a:latin typeface="Arial" panose="020B0604020202020204" pitchFamily="34" charset="0"/>
+                <a:cs typeface="Arial" panose="020B0604020202020204" pitchFamily="34" charset="0"/>
+              </a:rPr>
+              <a:t>https://github.com/erkinal/finalprojecttest</a:t>
+            </a:r>
+            <a:br>
+              <a:rPr lang="en-GB" sz="2000" dirty="0">
+                <a:latin typeface="Arial" panose="020B0604020202020204" pitchFamily="34" charset="0"/>
+                <a:cs typeface="Arial" panose="020B0604020202020204" pitchFamily="34" charset="0"/>
+              </a:rPr>
+            </a:br>
+            <a:r>
+              <a:rPr lang="en-GB" sz="2000" b="1" dirty="0">
+                <a:latin typeface="Arial" panose="020B0604020202020204" pitchFamily="34" charset="0"/>
+                <a:cs typeface="Arial" panose="020B0604020202020204" pitchFamily="34" charset="0"/>
+              </a:rPr>
+              <a:t>APK LINK: </a:t>
+            </a:r>
+            <a:r>
+              <a:rPr lang="en-GB" sz="2000" cap="none" dirty="0">
+                <a:latin typeface="Arial" panose="020B0604020202020204" pitchFamily="34" charset="0"/>
+                <a:cs typeface="Arial" panose="020B0604020202020204" pitchFamily="34" charset="0"/>
+              </a:rPr>
+              <a:t>https://drive.google.com/file/d/1mc1o5yvodsyp28lx5031tlw3txrcq5ll/view</a:t>
+            </a:r>
+            <a:br>
+              <a:rPr lang="en-GB" dirty="0">
+                <a:latin typeface="Arial" panose="020B0604020202020204" pitchFamily="34" charset="0"/>
+                <a:cs typeface="Arial" panose="020B0604020202020204" pitchFamily="34" charset="0"/>
+              </a:rPr>
+            </a:br>
+            <a:endParaRPr lang="en-GB" dirty="0">
+              <a:latin typeface="Arial" panose="020B0604020202020204" pitchFamily="34" charset="0"/>
+              <a:cs typeface="Arial" panose="020B0604020202020204" pitchFamily="34" charset="0"/>
+            </a:endParaRPr>
           </a:p>
         </p:txBody>
       </p:sp>
